--- a/OS-Train-Repo/中期报告.pptx
+++ b/OS-Train-Repo/中期报告.pptx
@@ -25,7 +25,8 @@
     <p:sldId id="274" r:id="rId19"/>
     <p:sldId id="276" r:id="rId20"/>
     <p:sldId id="275" r:id="rId21"/>
-    <p:sldId id="359" r:id="rId22"/>
+    <p:sldId id="360" r:id="rId22"/>
+    <p:sldId id="359" r:id="rId23"/>
   </p:sldIdLst>
   <p:sldSz cx="12192000" cy="6858000"/>
   <p:notesSz cx="6858000" cy="9144000"/>
@@ -124,6 +125,11 @@
       </a:defRPr>
     </a:lvl9pPr>
   </p:defaultTextStyle>
+  <p:extLst>
+    <p:ext uri="{EFAFB233-063F-42B5-8137-9DF3F51BA10A}">
+      <p15:sldGuideLst xmlns:p15="http://schemas.microsoft.com/office/powerpoint/2012/main"/>
+    </p:ext>
+  </p:extLst>
 </p:presentation>
 </file>
 
@@ -581,7 +587,7 @@
           <a:p>
             <a:fld id="{F4374499-10F3-43A6-A70A-01D7A10A05BA}" type="datetimeFigureOut">
               <a:rPr lang="zh-CN" altLang="en-US" smtClean="0"/>
-              <a:t>2023/10/21</a:t>
+              <a:t>2023/10/22</a:t>
             </a:fld>
             <a:endParaRPr lang="zh-CN" altLang="en-US"/>
           </a:p>
@@ -863,7 +869,7 @@
           <a:p>
             <a:fld id="{F4374499-10F3-43A6-A70A-01D7A10A05BA}" type="datetimeFigureOut">
               <a:rPr lang="zh-CN" altLang="en-US" smtClean="0"/>
-              <a:t>2023/10/21</a:t>
+              <a:t>2023/10/22</a:t>
             </a:fld>
             <a:endParaRPr lang="zh-CN" altLang="en-US"/>
           </a:p>
@@ -1085,7 +1091,7 @@
           <a:p>
             <a:fld id="{F4374499-10F3-43A6-A70A-01D7A10A05BA}" type="datetimeFigureOut">
               <a:rPr lang="zh-CN" altLang="en-US" smtClean="0"/>
-              <a:t>2023/10/21</a:t>
+              <a:t>2023/10/22</a:t>
             </a:fld>
             <a:endParaRPr lang="zh-CN" altLang="en-US"/>
           </a:p>
@@ -1359,7 +1365,7 @@
           <a:p>
             <a:fld id="{F4374499-10F3-43A6-A70A-01D7A10A05BA}" type="datetimeFigureOut">
               <a:rPr lang="zh-CN" altLang="en-US" smtClean="0"/>
-              <a:t>2023/10/21</a:t>
+              <a:t>2023/10/22</a:t>
             </a:fld>
             <a:endParaRPr lang="zh-CN" altLang="en-US"/>
           </a:p>
@@ -1632,7 +1638,7 @@
           <a:p>
             <a:fld id="{F4374499-10F3-43A6-A70A-01D7A10A05BA}" type="datetimeFigureOut">
               <a:rPr lang="zh-CN" altLang="en-US" smtClean="0"/>
-              <a:t>2023/10/21</a:t>
+              <a:t>2023/10/22</a:t>
             </a:fld>
             <a:endParaRPr lang="zh-CN" altLang="en-US"/>
           </a:p>
@@ -1831,7 +1837,7 @@
           <a:p>
             <a:fld id="{F4374499-10F3-43A6-A70A-01D7A10A05BA}" type="datetimeFigureOut">
               <a:rPr lang="zh-CN" altLang="en-US" smtClean="0"/>
-              <a:t>2023/10/21</a:t>
+              <a:t>2023/10/22</a:t>
             </a:fld>
             <a:endParaRPr lang="zh-CN" altLang="en-US"/>
           </a:p>
@@ -2404,7 +2410,7 @@
           <a:p>
             <a:fld id="{F4374499-10F3-43A6-A70A-01D7A10A05BA}" type="datetimeFigureOut">
               <a:rPr lang="zh-CN" altLang="en-US" smtClean="0"/>
-              <a:t>2023/10/21</a:t>
+              <a:t>2023/10/22</a:t>
             </a:fld>
             <a:endParaRPr lang="zh-CN" altLang="en-US"/>
           </a:p>
@@ -2698,7 +2704,7 @@
           <a:p>
             <a:fld id="{F4374499-10F3-43A6-A70A-01D7A10A05BA}" type="datetimeFigureOut">
               <a:rPr lang="zh-CN" altLang="en-US" smtClean="0"/>
-              <a:t>2023/10/21</a:t>
+              <a:t>2023/10/22</a:t>
             </a:fld>
             <a:endParaRPr lang="zh-CN" altLang="en-US"/>
           </a:p>
@@ -3081,7 +3087,7 @@
           <a:p>
             <a:fld id="{F4374499-10F3-43A6-A70A-01D7A10A05BA}" type="datetimeFigureOut">
               <a:rPr lang="zh-CN" altLang="en-US" smtClean="0"/>
-              <a:t>2023/10/21</a:t>
+              <a:t>2023/10/22</a:t>
             </a:fld>
             <a:endParaRPr lang="zh-CN" altLang="en-US"/>
           </a:p>
@@ -3204,7 +3210,7 @@
           <a:p>
             <a:fld id="{F4374499-10F3-43A6-A70A-01D7A10A05BA}" type="datetimeFigureOut">
               <a:rPr lang="zh-CN" altLang="en-US" smtClean="0"/>
-              <a:t>2023/10/21</a:t>
+              <a:t>2023/10/22</a:t>
             </a:fld>
             <a:endParaRPr lang="zh-CN" altLang="en-US"/>
           </a:p>
@@ -3327,7 +3333,7 @@
           <a:p>
             <a:fld id="{F4374499-10F3-43A6-A70A-01D7A10A05BA}" type="datetimeFigureOut">
               <a:rPr lang="zh-CN" altLang="en-US" smtClean="0"/>
-              <a:t>2023/10/21</a:t>
+              <a:t>2023/10/22</a:t>
             </a:fld>
             <a:endParaRPr lang="zh-CN" altLang="en-US"/>
           </a:p>
@@ -3777,7 +3783,7 @@
           <a:p>
             <a:fld id="{F4374499-10F3-43A6-A70A-01D7A10A05BA}" type="datetimeFigureOut">
               <a:rPr lang="zh-CN" altLang="en-US" smtClean="0"/>
-              <a:t>2023/10/21</a:t>
+              <a:t>2023/10/22</a:t>
             </a:fld>
             <a:endParaRPr lang="zh-CN" altLang="en-US"/>
           </a:p>
@@ -4084,7 +4090,7 @@
           <a:p>
             <a:fld id="{F4374499-10F3-43A6-A70A-01D7A10A05BA}" type="datetimeFigureOut">
               <a:rPr lang="zh-CN" altLang="en-US" smtClean="0"/>
-              <a:t>2023/10/21</a:t>
+              <a:t>2023/10/22</a:t>
             </a:fld>
             <a:endParaRPr lang="zh-CN" altLang="en-US"/>
           </a:p>
@@ -8076,6 +8082,19 @@
               <a:ea typeface="华文中宋" panose="02010600040101010101" pitchFamily="2" charset="-122"/>
             </a:endParaRPr>
           </a:p>
+          <a:p>
+            <a:r>
+              <a:rPr lang="zh-CN" altLang="en-US" dirty="0">
+                <a:latin typeface="华文中宋" panose="02010600040101010101" pitchFamily="2" charset="-122"/>
+                <a:ea typeface="华文中宋" panose="02010600040101010101" pitchFamily="2" charset="-122"/>
+              </a:rPr>
+              <a:t>后四周计划</a:t>
+            </a:r>
+            <a:endParaRPr lang="en-US" altLang="zh-CN" dirty="0">
+              <a:latin typeface="华文中宋" panose="02010600040101010101" pitchFamily="2" charset="-122"/>
+              <a:ea typeface="华文中宋" panose="02010600040101010101" pitchFamily="2" charset="-122"/>
+            </a:endParaRPr>
+          </a:p>
         </p:txBody>
       </p:sp>
       <p:sp>
@@ -8394,6 +8413,357 @@
 </file>
 
 <file path=ppt/slides/slide21.xml><?xml version="1.0" encoding="utf-8"?>
+<p:sld xmlns:a="http://schemas.openxmlformats.org/drawingml/2006/main" xmlns:r="http://schemas.openxmlformats.org/officeDocument/2006/relationships" xmlns:p="http://schemas.openxmlformats.org/presentationml/2006/main">
+  <p:cSld>
+    <p:spTree>
+      <p:nvGrpSpPr>
+        <p:cNvPr id="1" name=""/>
+        <p:cNvGrpSpPr/>
+        <p:nvPr/>
+      </p:nvGrpSpPr>
+      <p:grpSpPr>
+        <a:xfrm>
+          <a:off x="0" y="0"/>
+          <a:ext cx="0" cy="0"/>
+          <a:chOff x="0" y="0"/>
+          <a:chExt cx="0" cy="0"/>
+        </a:xfrm>
+      </p:grpSpPr>
+      <p:sp>
+        <p:nvSpPr>
+          <p:cNvPr id="3" name="内容占位符 2">
+            <a:extLst>
+              <a:ext uri="{FF2B5EF4-FFF2-40B4-BE49-F238E27FC236}">
+                <a16:creationId xmlns:a16="http://schemas.microsoft.com/office/drawing/2014/main" id="{B26CC7B7-E70F-4F34-B47C-DFD6FB480804}"/>
+              </a:ext>
+            </a:extLst>
+          </p:cNvPr>
+          <p:cNvSpPr>
+            <a:spLocks noGrp="1"/>
+          </p:cNvSpPr>
+          <p:nvPr>
+            <p:ph idx="1"/>
+          </p:nvPr>
+        </p:nvSpPr>
+        <p:spPr>
+          <a:xfrm>
+            <a:off x="952499" y="1863725"/>
+            <a:ext cx="10201275" cy="4351338"/>
+          </a:xfrm>
+        </p:spPr>
+        <p:txBody>
+          <a:bodyPr>
+            <a:normAutofit/>
+          </a:bodyPr>
+          <a:lstStyle/>
+          <a:p>
+            <a:pPr lvl="1"/>
+            <a:r>
+              <a:rPr lang="zh-CN" altLang="en-US" dirty="0">
+                <a:latin typeface="华文中宋" panose="02010600040101010101" pitchFamily="2" charset="-122"/>
+                <a:ea typeface="华文中宋" panose="02010600040101010101" pitchFamily="2" charset="-122"/>
+              </a:rPr>
+              <a:t>比对 </a:t>
+            </a:r>
+            <a:r>
+              <a:rPr lang="en-US" altLang="zh-CN" dirty="0" err="1">
+                <a:latin typeface="华文中宋" panose="02010600040101010101" pitchFamily="2" charset="-122"/>
+                <a:ea typeface="华文中宋" panose="02010600040101010101" pitchFamily="2" charset="-122"/>
+              </a:rPr>
+              <a:t>ArceOS</a:t>
+            </a:r>
+            <a:r>
+              <a:rPr lang="zh-CN" altLang="en-US" dirty="0">
+                <a:latin typeface="华文中宋" panose="02010600040101010101" pitchFamily="2" charset="-122"/>
+                <a:ea typeface="华文中宋" panose="02010600040101010101" pitchFamily="2" charset="-122"/>
+              </a:rPr>
+              <a:t>、</a:t>
+            </a:r>
+            <a:r>
+              <a:rPr lang="en-US" altLang="zh-CN" dirty="0">
+                <a:latin typeface="华文中宋" panose="02010600040101010101" pitchFamily="2" charset="-122"/>
+                <a:ea typeface="华文中宋" panose="02010600040101010101" pitchFamily="2" charset="-122"/>
+              </a:rPr>
+              <a:t>Starry </a:t>
+            </a:r>
+            <a:r>
+              <a:rPr lang="zh-CN" altLang="en-US" dirty="0">
+                <a:latin typeface="华文中宋" panose="02010600040101010101" pitchFamily="2" charset="-122"/>
+                <a:ea typeface="华文中宋" panose="02010600040101010101" pitchFamily="2" charset="-122"/>
+              </a:rPr>
+              <a:t>和本地 </a:t>
+            </a:r>
+            <a:r>
+              <a:rPr lang="en-US" altLang="zh-CN" dirty="0">
+                <a:latin typeface="华文中宋" panose="02010600040101010101" pitchFamily="2" charset="-122"/>
+                <a:ea typeface="华文中宋" panose="02010600040101010101" pitchFamily="2" charset="-122"/>
+              </a:rPr>
+              <a:t>Linux </a:t>
+            </a:r>
+            <a:r>
+              <a:rPr lang="zh-CN" altLang="en-US" dirty="0">
+                <a:latin typeface="华文中宋" panose="02010600040101010101" pitchFamily="2" charset="-122"/>
+                <a:ea typeface="华文中宋" panose="02010600040101010101" pitchFamily="2" charset="-122"/>
+              </a:rPr>
+              <a:t>的性能差距</a:t>
+            </a:r>
+            <a:endParaRPr lang="en-US" altLang="zh-CN" dirty="0">
+              <a:latin typeface="华文中宋" panose="02010600040101010101" pitchFamily="2" charset="-122"/>
+              <a:ea typeface="华文中宋" panose="02010600040101010101" pitchFamily="2" charset="-122"/>
+            </a:endParaRPr>
+          </a:p>
+          <a:p>
+            <a:pPr lvl="1"/>
+            <a:endParaRPr lang="en-US" altLang="zh-CN" dirty="0">
+              <a:latin typeface="华文中宋" panose="02010600040101010101" pitchFamily="2" charset="-122"/>
+              <a:ea typeface="华文中宋" panose="02010600040101010101" pitchFamily="2" charset="-122"/>
+            </a:endParaRPr>
+          </a:p>
+          <a:p>
+            <a:pPr lvl="1"/>
+            <a:r>
+              <a:rPr lang="zh-CN" altLang="en-US" dirty="0">
+                <a:latin typeface="华文中宋" panose="02010600040101010101" pitchFamily="2" charset="-122"/>
+                <a:ea typeface="华文中宋" panose="02010600040101010101" pitchFamily="2" charset="-122"/>
+              </a:rPr>
+              <a:t>对 </a:t>
+            </a:r>
+            <a:r>
+              <a:rPr lang="en-US" altLang="zh-CN" dirty="0">
+                <a:latin typeface="华文中宋" panose="02010600040101010101" pitchFamily="2" charset="-122"/>
+                <a:ea typeface="华文中宋" panose="02010600040101010101" pitchFamily="2" charset="-122"/>
+              </a:rPr>
+              <a:t>Starry </a:t>
+            </a:r>
+            <a:r>
+              <a:rPr lang="zh-CN" altLang="en-US" dirty="0">
+                <a:latin typeface="华文中宋" panose="02010600040101010101" pitchFamily="2" charset="-122"/>
+                <a:ea typeface="华文中宋" panose="02010600040101010101" pitchFamily="2" charset="-122"/>
+              </a:rPr>
+              <a:t>的 </a:t>
+            </a:r>
+            <a:r>
+              <a:rPr lang="en-US" altLang="zh-CN" dirty="0" err="1">
+                <a:latin typeface="华文中宋" panose="02010600040101010101" pitchFamily="2" charset="-122"/>
+                <a:ea typeface="华文中宋" panose="02010600040101010101" pitchFamily="2" charset="-122"/>
+              </a:rPr>
+              <a:t>syscall</a:t>
+            </a:r>
+            <a:r>
+              <a:rPr lang="en-US" altLang="zh-CN" dirty="0">
+                <a:latin typeface="华文中宋" panose="02010600040101010101" pitchFamily="2" charset="-122"/>
+                <a:ea typeface="华文中宋" panose="02010600040101010101" pitchFamily="2" charset="-122"/>
+              </a:rPr>
+              <a:t> </a:t>
+            </a:r>
+            <a:r>
+              <a:rPr lang="zh-CN" altLang="en-US" dirty="0">
+                <a:latin typeface="华文中宋" panose="02010600040101010101" pitchFamily="2" charset="-122"/>
+                <a:ea typeface="华文中宋" panose="02010600040101010101" pitchFamily="2" charset="-122"/>
+              </a:rPr>
+              <a:t>层进行更细致化的拆分</a:t>
+            </a:r>
+            <a:endParaRPr lang="en-US" altLang="zh-CN" dirty="0">
+              <a:latin typeface="华文中宋" panose="02010600040101010101" pitchFamily="2" charset="-122"/>
+              <a:ea typeface="华文中宋" panose="02010600040101010101" pitchFamily="2" charset="-122"/>
+            </a:endParaRPr>
+          </a:p>
+          <a:p>
+            <a:pPr lvl="2"/>
+            <a:r>
+              <a:rPr lang="zh-CN" altLang="en-US" dirty="0">
+                <a:latin typeface="华文中宋" panose="02010600040101010101" pitchFamily="2" charset="-122"/>
+                <a:ea typeface="华文中宋" panose="02010600040101010101" pitchFamily="2" charset="-122"/>
+              </a:rPr>
+              <a:t>当前的 </a:t>
+            </a:r>
+            <a:r>
+              <a:rPr lang="en-US" altLang="zh-CN" dirty="0" err="1">
+                <a:latin typeface="华文中宋" panose="02010600040101010101" pitchFamily="2" charset="-122"/>
+                <a:ea typeface="华文中宋" panose="02010600040101010101" pitchFamily="2" charset="-122"/>
+              </a:rPr>
+              <a:t>syscall</a:t>
+            </a:r>
+            <a:r>
+              <a:rPr lang="en-US" altLang="zh-CN" dirty="0">
+                <a:latin typeface="华文中宋" panose="02010600040101010101" pitchFamily="2" charset="-122"/>
+                <a:ea typeface="华文中宋" panose="02010600040101010101" pitchFamily="2" charset="-122"/>
+              </a:rPr>
+              <a:t> </a:t>
+            </a:r>
+            <a:r>
+              <a:rPr lang="zh-CN" altLang="en-US" dirty="0">
+                <a:latin typeface="华文中宋" panose="02010600040101010101" pitchFamily="2" charset="-122"/>
+                <a:ea typeface="华文中宋" panose="02010600040101010101" pitchFamily="2" charset="-122"/>
+              </a:rPr>
+              <a:t>层是一个很大的层，里面的结构复杂冗长，不适合其他人接续开发</a:t>
+            </a:r>
+            <a:endParaRPr lang="en-US" altLang="zh-CN" dirty="0">
+              <a:latin typeface="华文中宋" panose="02010600040101010101" pitchFamily="2" charset="-122"/>
+              <a:ea typeface="华文中宋" panose="02010600040101010101" pitchFamily="2" charset="-122"/>
+            </a:endParaRPr>
+          </a:p>
+          <a:p>
+            <a:pPr lvl="2"/>
+            <a:endParaRPr lang="en-US" altLang="zh-CN" dirty="0">
+              <a:latin typeface="华文中宋" panose="02010600040101010101" pitchFamily="2" charset="-122"/>
+              <a:ea typeface="华文中宋" panose="02010600040101010101" pitchFamily="2" charset="-122"/>
+            </a:endParaRPr>
+          </a:p>
+          <a:p>
+            <a:pPr lvl="2"/>
+            <a:r>
+              <a:rPr lang="zh-CN" altLang="en-US" dirty="0">
+                <a:latin typeface="华文中宋" panose="02010600040101010101" pitchFamily="2" charset="-122"/>
+                <a:ea typeface="华文中宋" panose="02010600040101010101" pitchFamily="2" charset="-122"/>
+              </a:rPr>
+              <a:t>期望以</a:t>
+            </a:r>
+            <a:r>
+              <a:rPr lang="zh-CN" altLang="en-US" dirty="0">
+                <a:solidFill>
+                  <a:srgbClr val="FF0000"/>
+                </a:solidFill>
+                <a:latin typeface="华文中宋" panose="02010600040101010101" pitchFamily="2" charset="-122"/>
+                <a:ea typeface="华文中宋" panose="02010600040101010101" pitchFamily="2" charset="-122"/>
+              </a:rPr>
+              <a:t>模块化</a:t>
+            </a:r>
+            <a:r>
+              <a:rPr lang="zh-CN" altLang="en-US" dirty="0">
+                <a:latin typeface="华文中宋" panose="02010600040101010101" pitchFamily="2" charset="-122"/>
+                <a:ea typeface="华文中宋" panose="02010600040101010101" pitchFamily="2" charset="-122"/>
+              </a:rPr>
+              <a:t>的方式去重整 </a:t>
+            </a:r>
+            <a:r>
+              <a:rPr lang="en-US" altLang="zh-CN" dirty="0" err="1">
+                <a:latin typeface="华文中宋" panose="02010600040101010101" pitchFamily="2" charset="-122"/>
+                <a:ea typeface="华文中宋" panose="02010600040101010101" pitchFamily="2" charset="-122"/>
+              </a:rPr>
+              <a:t>syscall</a:t>
+            </a:r>
+            <a:r>
+              <a:rPr lang="en-US" altLang="zh-CN" dirty="0">
+                <a:latin typeface="华文中宋" panose="02010600040101010101" pitchFamily="2" charset="-122"/>
+                <a:ea typeface="华文中宋" panose="02010600040101010101" pitchFamily="2" charset="-122"/>
+              </a:rPr>
+              <a:t> </a:t>
+            </a:r>
+            <a:r>
+              <a:rPr lang="zh-CN" altLang="en-US" dirty="0">
+                <a:latin typeface="华文中宋" panose="02010600040101010101" pitchFamily="2" charset="-122"/>
+                <a:ea typeface="华文中宋" panose="02010600040101010101" pitchFamily="2" charset="-122"/>
+              </a:rPr>
+              <a:t>层，为 </a:t>
+            </a:r>
+            <a:r>
+              <a:rPr lang="en-US" altLang="zh-CN" dirty="0" err="1">
+                <a:latin typeface="华文中宋" panose="02010600040101010101" pitchFamily="2" charset="-122"/>
+                <a:ea typeface="华文中宋" panose="02010600040101010101" pitchFamily="2" charset="-122"/>
+              </a:rPr>
+              <a:t>ArceOS</a:t>
+            </a:r>
+            <a:r>
+              <a:rPr lang="en-US" altLang="zh-CN" dirty="0">
+                <a:latin typeface="华文中宋" panose="02010600040101010101" pitchFamily="2" charset="-122"/>
+                <a:ea typeface="华文中宋" panose="02010600040101010101" pitchFamily="2" charset="-122"/>
+              </a:rPr>
+              <a:t> </a:t>
+            </a:r>
+            <a:r>
+              <a:rPr lang="zh-CN" altLang="en-US" dirty="0">
+                <a:latin typeface="华文中宋" panose="02010600040101010101" pitchFamily="2" charset="-122"/>
+                <a:ea typeface="华文中宋" panose="02010600040101010101" pitchFamily="2" charset="-122"/>
+              </a:rPr>
+              <a:t>宏内核相关工作作铺垫</a:t>
+            </a:r>
+            <a:endParaRPr lang="en-US" altLang="zh-CN" dirty="0">
+              <a:latin typeface="华文中宋" panose="02010600040101010101" pitchFamily="2" charset="-122"/>
+              <a:ea typeface="华文中宋" panose="02010600040101010101" pitchFamily="2" charset="-122"/>
+            </a:endParaRPr>
+          </a:p>
+        </p:txBody>
+      </p:sp>
+      <p:sp>
+        <p:nvSpPr>
+          <p:cNvPr id="7" name="文本框 6">
+            <a:extLst>
+              <a:ext uri="{FF2B5EF4-FFF2-40B4-BE49-F238E27FC236}">
+                <a16:creationId xmlns:a16="http://schemas.microsoft.com/office/drawing/2014/main" id="{5433F733-E0CB-4D32-83E2-AC8D4648B227}"/>
+              </a:ext>
+            </a:extLst>
+          </p:cNvPr>
+          <p:cNvSpPr txBox="1"/>
+          <p:nvPr/>
+        </p:nvSpPr>
+        <p:spPr>
+          <a:xfrm>
+            <a:off x="838200" y="781049"/>
+            <a:ext cx="9172575" cy="646331"/>
+          </a:xfrm>
+          <a:prstGeom prst="rect">
+            <a:avLst/>
+          </a:prstGeom>
+          <a:noFill/>
+        </p:spPr>
+        <p:txBody>
+          <a:bodyPr wrap="square" rtlCol="0">
+            <a:spAutoFit/>
+          </a:bodyPr>
+          <a:lstStyle/>
+          <a:p>
+            <a:pPr marL="0" marR="0" lvl="0" indent="0" algn="l" defTabSz="914400" rtl="0" eaLnBrk="1" fontAlgn="auto" latinLnBrk="0" hangingPunct="1">
+              <a:lnSpc>
+                <a:spcPct val="100000"/>
+              </a:lnSpc>
+              <a:spcBef>
+                <a:spcPts val="0"/>
+              </a:spcBef>
+              <a:spcAft>
+                <a:spcPts val="0"/>
+              </a:spcAft>
+              <a:buClrTx/>
+              <a:buSzTx/>
+              <a:buFontTx/>
+              <a:buNone/>
+              <a:tabLst/>
+              <a:defRPr/>
+            </a:pPr>
+            <a:r>
+              <a:rPr kumimoji="0" lang="zh-CN" altLang="en-US" sz="3600" b="0" i="0" u="none" strike="noStrike" kern="1200" cap="none" spc="0" normalizeH="0" baseline="0" noProof="0" dirty="0">
+                <a:ln>
+                  <a:noFill/>
+                </a:ln>
+                <a:solidFill>
+                  <a:srgbClr val="000000"/>
+                </a:solidFill>
+                <a:effectLst/>
+                <a:uLnTx/>
+                <a:uFillTx/>
+                <a:latin typeface="华文中宋" panose="02010600040101010101" pitchFamily="2" charset="-122"/>
+                <a:ea typeface="华文中宋" panose="02010600040101010101" pitchFamily="2" charset="-122"/>
+                <a:cs typeface="+mn-cs"/>
+              </a:rPr>
+              <a:t>后四周计划</a:t>
+            </a:r>
+          </a:p>
+        </p:txBody>
+      </p:sp>
+    </p:spTree>
+    <p:extLst>
+      <p:ext uri="{BB962C8B-B14F-4D97-AF65-F5344CB8AC3E}">
+        <p14:creationId xmlns:p14="http://schemas.microsoft.com/office/powerpoint/2010/main" val="178720845"/>
+      </p:ext>
+    </p:extLst>
+  </p:cSld>
+  <p:clrMapOvr>
+    <a:masterClrMapping/>
+  </p:clrMapOvr>
+</p:sld>
+</file>
+
+<file path=ppt/slides/slide22.xml><?xml version="1.0" encoding="utf-8"?>
 <p:sld xmlns:a="http://schemas.openxmlformats.org/drawingml/2006/main" xmlns:r="http://schemas.openxmlformats.org/officeDocument/2006/relationships" xmlns:p="http://schemas.openxmlformats.org/presentationml/2006/main">
   <p:cSld>
     <p:spTree>
